--- a/doc/Plan.pptx
+++ b/doc/Plan.pptx
@@ -288,7 +288,7 @@
           <a:p>
             <a:fld id="{0D756411-B36C-7940-8008-F6BE5323A291}" type="datetimeFigureOut">
               <a:rPr lang="en-US" smtClean="0"/>
-              <a:t>5/30/22</a:t>
+              <a:t>6/7/22</a:t>
             </a:fld>
             <a:endParaRPr lang="en-US"/>
           </a:p>
@@ -946,7 +946,7 @@
           <a:p>
             <a:fld id="{B38FD8E5-8BDC-3843-A857-AD7890E99727}" type="datetimeFigureOut">
               <a:rPr lang="en-US" smtClean="0"/>
-              <a:t>5/27/22</a:t>
+              <a:t>6/7/22</a:t>
             </a:fld>
             <a:endParaRPr lang="en-US"/>
           </a:p>
@@ -1146,7 +1146,7 @@
           <a:p>
             <a:fld id="{B38FD8E5-8BDC-3843-A857-AD7890E99727}" type="datetimeFigureOut">
               <a:rPr lang="en-US" smtClean="0"/>
-              <a:t>5/27/22</a:t>
+              <a:t>6/7/22</a:t>
             </a:fld>
             <a:endParaRPr lang="en-US"/>
           </a:p>
@@ -1356,7 +1356,7 @@
           <a:p>
             <a:fld id="{B38FD8E5-8BDC-3843-A857-AD7890E99727}" type="datetimeFigureOut">
               <a:rPr lang="en-US" smtClean="0"/>
-              <a:t>5/27/22</a:t>
+              <a:t>6/7/22</a:t>
             </a:fld>
             <a:endParaRPr lang="en-US"/>
           </a:p>
@@ -1556,7 +1556,7 @@
           <a:p>
             <a:fld id="{B38FD8E5-8BDC-3843-A857-AD7890E99727}" type="datetimeFigureOut">
               <a:rPr lang="en-US" smtClean="0"/>
-              <a:t>5/27/22</a:t>
+              <a:t>6/7/22</a:t>
             </a:fld>
             <a:endParaRPr lang="en-US"/>
           </a:p>
@@ -1832,7 +1832,7 @@
           <a:p>
             <a:fld id="{B38FD8E5-8BDC-3843-A857-AD7890E99727}" type="datetimeFigureOut">
               <a:rPr lang="en-US" smtClean="0"/>
-              <a:t>5/27/22</a:t>
+              <a:t>6/7/22</a:t>
             </a:fld>
             <a:endParaRPr lang="en-US"/>
           </a:p>
@@ -2100,7 +2100,7 @@
           <a:p>
             <a:fld id="{B38FD8E5-8BDC-3843-A857-AD7890E99727}" type="datetimeFigureOut">
               <a:rPr lang="en-US" smtClean="0"/>
-              <a:t>5/27/22</a:t>
+              <a:t>6/7/22</a:t>
             </a:fld>
             <a:endParaRPr lang="en-US"/>
           </a:p>
@@ -2515,7 +2515,7 @@
           <a:p>
             <a:fld id="{B38FD8E5-8BDC-3843-A857-AD7890E99727}" type="datetimeFigureOut">
               <a:rPr lang="en-US" smtClean="0"/>
-              <a:t>5/27/22</a:t>
+              <a:t>6/7/22</a:t>
             </a:fld>
             <a:endParaRPr lang="en-US"/>
           </a:p>
@@ -2657,7 +2657,7 @@
           <a:p>
             <a:fld id="{B38FD8E5-8BDC-3843-A857-AD7890E99727}" type="datetimeFigureOut">
               <a:rPr lang="en-US" smtClean="0"/>
-              <a:t>5/27/22</a:t>
+              <a:t>6/7/22</a:t>
             </a:fld>
             <a:endParaRPr lang="en-US"/>
           </a:p>
@@ -2770,7 +2770,7 @@
           <a:p>
             <a:fld id="{B38FD8E5-8BDC-3843-A857-AD7890E99727}" type="datetimeFigureOut">
               <a:rPr lang="en-US" smtClean="0"/>
-              <a:t>5/27/22</a:t>
+              <a:t>6/7/22</a:t>
             </a:fld>
             <a:endParaRPr lang="en-US"/>
           </a:p>
@@ -3083,7 +3083,7 @@
           <a:p>
             <a:fld id="{B38FD8E5-8BDC-3843-A857-AD7890E99727}" type="datetimeFigureOut">
               <a:rPr lang="en-US" smtClean="0"/>
-              <a:t>5/27/22</a:t>
+              <a:t>6/7/22</a:t>
             </a:fld>
             <a:endParaRPr lang="en-US"/>
           </a:p>
@@ -3372,7 +3372,7 @@
           <a:p>
             <a:fld id="{B38FD8E5-8BDC-3843-A857-AD7890E99727}" type="datetimeFigureOut">
               <a:rPr lang="en-US" smtClean="0"/>
-              <a:t>5/27/22</a:t>
+              <a:t>6/7/22</a:t>
             </a:fld>
             <a:endParaRPr lang="en-US"/>
           </a:p>
@@ -3615,7 +3615,7 @@
           <a:p>
             <a:fld id="{B38FD8E5-8BDC-3843-A857-AD7890E99727}" type="datetimeFigureOut">
               <a:rPr lang="en-US" smtClean="0"/>
-              <a:t>5/27/22</a:t>
+              <a:t>6/7/22</a:t>
             </a:fld>
             <a:endParaRPr lang="en-US"/>
           </a:p>
@@ -4065,10 +4065,10 @@
       </p:sp>
       <p:sp>
         <p:nvSpPr>
-          <p:cNvPr id="3" name="Subtitle 2">
+          <p:cNvPr id="5" name="Subtitle 4">
             <a:extLst>
               <a:ext uri="{FF2B5EF4-FFF2-40B4-BE49-F238E27FC236}">
-                <a16:creationId xmlns:a16="http://schemas.microsoft.com/office/drawing/2014/main" id="{32CE9CC4-D2B7-5358-A9B7-8E5832CC322F}"/>
+                <a16:creationId xmlns:a16="http://schemas.microsoft.com/office/drawing/2014/main" id="{39AEDFE5-050F-39B7-3133-0F4217DD5BB1}"/>
               </a:ext>
             </a:extLst>
           </p:cNvPr>
@@ -4079,34 +4079,12 @@
             <p:ph type="subTitle" idx="1"/>
           </p:nvPr>
         </p:nvSpPr>
-        <p:spPr>
-          <a:xfrm>
-            <a:off x="228600" y="4079875"/>
-            <a:ext cx="9144000" cy="1655762"/>
-          </a:xfrm>
-        </p:spPr>
+        <p:spPr/>
         <p:txBody>
           <a:bodyPr/>
           <a:lstStyle/>
           <a:p>
-            <a:pPr marL="457200" indent="-457200">
-              <a:buFont typeface="+mj-lt"/>
-              <a:buAutoNum type="arabicPeriod"/>
-            </a:pPr>
-            <a:r>
-              <a:rPr lang="en-US" dirty="0"/>
-              <a:t>Please ignore hidden slides</a:t>
-            </a:r>
-          </a:p>
-          <a:p>
-            <a:pPr marL="457200" indent="-457200">
-              <a:buFont typeface="+mj-lt"/>
-              <a:buAutoNum type="arabicPeriod"/>
-            </a:pPr>
-            <a:r>
-              <a:rPr lang="en-US" dirty="0"/>
-              <a:t>Might not make sense in parts </a:t>
-            </a:r>
+            <a:endParaRPr lang="en-GB"/>
           </a:p>
         </p:txBody>
       </p:sp>
@@ -12123,8 +12101,8 @@
           </a:p>
         </p:txBody>
       </p:sp>
-      <mc:AlternateContent xmlns:mc="http://schemas.openxmlformats.org/markup-compatibility/2006">
-        <mc:Choice xmlns:a14="http://schemas.microsoft.com/office/drawing/2010/main" Requires="a14">
+      <mc:AlternateContent xmlns:mc="http://schemas.openxmlformats.org/markup-compatibility/2006" xmlns:a14="http://schemas.microsoft.com/office/drawing/2010/main">
+        <mc:Choice Requires="a14">
           <p:sp>
             <p:nvSpPr>
               <p:cNvPr id="3" name="Content Placeholder 2">
@@ -12421,7 +12399,13 @@
                                 <a:rPr lang="en-GB" b="0" i="1" smtClean="0">
                                   <a:latin typeface="Cambria Math" panose="02040503050406030204" pitchFamily="18" charset="0"/>
                                 </a:rPr>
-                                <m:t>−0.5</m:t>
+                                <m:t>−</m:t>
+                              </m:r>
+                              <m:r>
+                                <a:rPr lang="en-GB" b="0" i="1" smtClean="0">
+                                  <a:latin typeface="Cambria Math" panose="02040503050406030204" pitchFamily="18" charset="0"/>
+                                </a:rPr>
+                                <m:t>0.5</m:t>
                               </m:r>
                             </m:e>
                           </m:mr>
@@ -12493,7 +12477,7 @@
             </p:txBody>
           </p:sp>
         </mc:Choice>
-        <mc:Fallback>
+        <mc:Fallback xmlns="">
           <p:sp>
             <p:nvSpPr>
               <p:cNvPr id="3" name="Content Placeholder 2">
@@ -12591,8 +12575,8 @@
           </a:p>
         </p:txBody>
       </p:sp>
-      <mc:AlternateContent xmlns:mc="http://schemas.openxmlformats.org/markup-compatibility/2006">
-        <mc:Choice xmlns:a14="http://schemas.microsoft.com/office/drawing/2010/main" Requires="a14">
+      <mc:AlternateContent xmlns:mc="http://schemas.openxmlformats.org/markup-compatibility/2006" xmlns:a14="http://schemas.microsoft.com/office/drawing/2010/main">
+        <mc:Choice Requires="a14">
           <p:sp>
             <p:nvSpPr>
               <p:cNvPr id="3" name="Content Placeholder 2">
@@ -13203,7 +13187,7 @@
             </p:txBody>
           </p:sp>
         </mc:Choice>
-        <mc:Fallback>
+        <mc:Fallback xmlns="">
           <p:sp>
             <p:nvSpPr>
               <p:cNvPr id="3" name="Content Placeholder 2">
@@ -16293,8 +16277,8 @@
           </a:p>
         </p:txBody>
       </p:sp>
-      <mc:AlternateContent xmlns:mc="http://schemas.openxmlformats.org/markup-compatibility/2006">
-        <mc:Choice xmlns:a14="http://schemas.microsoft.com/office/drawing/2010/main" Requires="a14">
+      <mc:AlternateContent xmlns:mc="http://schemas.openxmlformats.org/markup-compatibility/2006" xmlns:a14="http://schemas.microsoft.com/office/drawing/2010/main">
+        <mc:Choice Requires="a14">
           <p:sp>
             <p:nvSpPr>
               <p:cNvPr id="3" name="Content Placeholder 2">
@@ -17529,7 +17513,7 @@
             </p:txBody>
           </p:sp>
         </mc:Choice>
-        <mc:Fallback>
+        <mc:Fallback xmlns="">
           <p:sp>
             <p:nvSpPr>
               <p:cNvPr id="3" name="Content Placeholder 2">
